--- a/static/animals.pptx
+++ b/static/animals.pptx
@@ -108,6 +108,9 @@
     <p:ext uri="{EFAFB233-063F-42B5-8137-9DF3F51BA10A}">
       <p15:sldGuideLst xmlns:p15="http://schemas.microsoft.com/office/powerpoint/2012/main"/>
     </p:ext>
+    <p:ext uri="{2D200454-40CA-4A62-9FC3-DE9A4176ACB9}">
+      <p15:notesGuideLst xmlns:p15="http://schemas.microsoft.com/office/powerpoint/2012/main"/>
+    </p:ext>
   </p:extLst>
 </p:presentation>
 </file>
@@ -206,7 +209,7 @@
           <a:p>
             <a:fld id="{3AC4FCB6-2190-420D-B390-995D93DABF2A}" type="datetimeFigureOut">
               <a:rPr lang="en-IN" smtClean="0"/>
-              <a:t>17-05-2021</a:t>
+              <a:t>03-06-2021</a:t>
             </a:fld>
             <a:endParaRPr lang="en-IN"/>
           </a:p>
@@ -340,7 +343,7 @@
         </p:blipFill>
         <p:spPr>
           <a:xfrm>
-            <a:off x="0" y="0"/>
+            <a:off x="0" y="-157316"/>
             <a:ext cx="12192000" cy="6858000"/>
           </a:xfrm>
           <a:prstGeom prst="rect">
@@ -393,8 +396,8 @@
         </p:nvSpPr>
         <p:spPr>
           <a:xfrm>
-            <a:off x="0" y="1968910"/>
-            <a:ext cx="5565058" cy="3773129"/>
+            <a:off x="3215148" y="2920181"/>
+            <a:ext cx="5565058" cy="2143432"/>
           </a:xfrm>
         </p:spPr>
         <p:txBody>
@@ -450,69 +453,6 @@
               <a:rPr lang="en-US" dirty="0"/>
               <a:t>Click to edit Master subtitle style</a:t>
             </a:r>
-          </a:p>
-        </p:txBody>
-      </p:sp>
-      <p:sp>
-        <p:nvSpPr>
-          <p:cNvPr id="9" name="Text Placeholder 8">
-            <a:extLst>
-              <a:ext uri="{FF2B5EF4-FFF2-40B4-BE49-F238E27FC236}">
-                <a16:creationId xmlns:a16="http://schemas.microsoft.com/office/drawing/2014/main" id="{EB06F9AF-7B66-4475-BC00-D578A0A7C286}"/>
-              </a:ext>
-            </a:extLst>
-          </p:cNvPr>
-          <p:cNvSpPr>
-            <a:spLocks noGrp="1"/>
-          </p:cNvSpPr>
-          <p:nvPr>
-            <p:ph type="body" sz="quarter" idx="13"/>
-          </p:nvPr>
-        </p:nvSpPr>
-        <p:spPr>
-          <a:xfrm>
-            <a:off x="5948363" y="1957388"/>
-            <a:ext cx="5673725" cy="3814762"/>
-          </a:xfrm>
-        </p:spPr>
-        <p:txBody>
-          <a:bodyPr/>
-          <a:lstStyle/>
-          <a:p>
-            <a:pPr lvl="0"/>
-            <a:r>
-              <a:rPr lang="en-US" dirty="0"/>
-              <a:t>Click to edit Master text styles</a:t>
-            </a:r>
-          </a:p>
-          <a:p>
-            <a:pPr lvl="1"/>
-            <a:r>
-              <a:rPr lang="en-US" dirty="0"/>
-              <a:t>Second level</a:t>
-            </a:r>
-          </a:p>
-          <a:p>
-            <a:pPr lvl="2"/>
-            <a:r>
-              <a:rPr lang="en-US" dirty="0"/>
-              <a:t>Third level</a:t>
-            </a:r>
-          </a:p>
-          <a:p>
-            <a:pPr lvl="3"/>
-            <a:r>
-              <a:rPr lang="en-US" dirty="0"/>
-              <a:t>Fourth level</a:t>
-            </a:r>
-          </a:p>
-          <a:p>
-            <a:pPr lvl="4"/>
-            <a:r>
-              <a:rPr lang="en-US" dirty="0"/>
-              <a:t>Fifth level</a:t>
-            </a:r>
-            <a:endParaRPr lang="en-IN" dirty="0"/>
           </a:p>
         </p:txBody>
       </p:sp>
@@ -775,7 +715,7 @@
           <a:p>
             <a:fld id="{48A87A34-81AB-432B-8DAE-1953F412C126}" type="datetimeFigureOut">
               <a:rPr lang="en-US" dirty="0"/>
-              <a:t>5/17/2021</a:t>
+              <a:t>6/3/2021</a:t>
             </a:fld>
             <a:endParaRPr lang="en-US" dirty="0"/>
           </a:p>
@@ -992,7 +932,7 @@
           <a:p>
             <a:fld id="{48A87A34-81AB-432B-8DAE-1953F412C126}" type="datetimeFigureOut">
               <a:rPr lang="en-US" dirty="0"/>
-              <a:t>5/17/2021</a:t>
+              <a:t>6/3/2021</a:t>
             </a:fld>
             <a:endParaRPr lang="en-US" dirty="0"/>
           </a:p>
@@ -1278,7 +1218,7 @@
           <a:p>
             <a:fld id="{48A87A34-81AB-432B-8DAE-1953F412C126}" type="datetimeFigureOut">
               <a:rPr lang="en-US" dirty="0"/>
-              <a:t>5/17/2021</a:t>
+              <a:t>6/3/2021</a:t>
             </a:fld>
             <a:endParaRPr lang="en-US" dirty="0"/>
           </a:p>
@@ -1727,7 +1667,7 @@
           <a:p>
             <a:fld id="{48A87A34-81AB-432B-8DAE-1953F412C126}" type="datetimeFigureOut">
               <a:rPr lang="en-US" dirty="0"/>
-              <a:t>5/17/2021</a:t>
+              <a:t>6/3/2021</a:t>
             </a:fld>
             <a:endParaRPr lang="en-US" dirty="0"/>
           </a:p>
@@ -2298,7 +2238,7 @@
           <a:p>
             <a:fld id="{48A87A34-81AB-432B-8DAE-1953F412C126}" type="datetimeFigureOut">
               <a:rPr lang="en-US" dirty="0"/>
-              <a:t>5/17/2021</a:t>
+              <a:t>6/3/2021</a:t>
             </a:fld>
             <a:endParaRPr lang="en-US" dirty="0"/>
           </a:p>
@@ -3145,7 +3085,7 @@
           <a:p>
             <a:fld id="{48A87A34-81AB-432B-8DAE-1953F412C126}" type="datetimeFigureOut">
               <a:rPr lang="en-US" dirty="0"/>
-              <a:t>5/17/2021</a:t>
+              <a:t>6/3/2021</a:t>
             </a:fld>
             <a:endParaRPr lang="en-US" dirty="0"/>
           </a:p>
@@ -3345,7 +3285,7 @@
           <a:p>
             <a:fld id="{48A87A34-81AB-432B-8DAE-1953F412C126}" type="datetimeFigureOut">
               <a:rPr lang="en-US" dirty="0"/>
-              <a:t>5/17/2021</a:t>
+              <a:t>6/3/2021</a:t>
             </a:fld>
             <a:endParaRPr lang="en-US" dirty="0"/>
           </a:p>
@@ -3554,7 +3494,7 @@
           <a:p>
             <a:fld id="{48A87A34-81AB-432B-8DAE-1953F412C126}" type="datetimeFigureOut">
               <a:rPr lang="en-US" dirty="0"/>
-              <a:t>5/17/2021</a:t>
+              <a:t>6/3/2021</a:t>
             </a:fld>
             <a:endParaRPr lang="en-US" dirty="0"/>
           </a:p>
@@ -3757,7 +3697,7 @@
           <a:p>
             <a:fld id="{48A87A34-81AB-432B-8DAE-1953F412C126}" type="datetimeFigureOut">
               <a:rPr lang="en-US" dirty="0"/>
-              <a:t>5/17/2021</a:t>
+              <a:t>6/3/2021</a:t>
             </a:fld>
             <a:endParaRPr lang="en-US" dirty="0"/>
           </a:p>
@@ -4062,7 +4002,7 @@
           <a:p>
             <a:fld id="{48A87A34-81AB-432B-8DAE-1953F412C126}" type="datetimeFigureOut">
               <a:rPr lang="en-US" dirty="0"/>
-              <a:t>5/17/2021</a:t>
+              <a:t>6/3/2021</a:t>
             </a:fld>
             <a:endParaRPr lang="en-US" dirty="0"/>
           </a:p>
@@ -4324,7 +4264,7 @@
           <a:p>
             <a:fld id="{48A87A34-81AB-432B-8DAE-1953F412C126}" type="datetimeFigureOut">
               <a:rPr lang="en-US" dirty="0"/>
-              <a:t>5/17/2021</a:t>
+              <a:t>6/3/2021</a:t>
             </a:fld>
             <a:endParaRPr lang="en-US" dirty="0"/>
           </a:p>
@@ -4734,7 +4674,7 @@
           <a:p>
             <a:fld id="{48A87A34-81AB-432B-8DAE-1953F412C126}" type="datetimeFigureOut">
               <a:rPr lang="en-US" dirty="0"/>
-              <a:t>5/17/2021</a:t>
+              <a:t>6/3/2021</a:t>
             </a:fld>
             <a:endParaRPr lang="en-US" dirty="0"/>
           </a:p>
@@ -4877,7 +4817,7 @@
           <a:p>
             <a:fld id="{48A87A34-81AB-432B-8DAE-1953F412C126}" type="datetimeFigureOut">
               <a:rPr lang="en-US" dirty="0"/>
-              <a:t>5/17/2021</a:t>
+              <a:t>6/3/2021</a:t>
             </a:fld>
             <a:endParaRPr lang="en-US" dirty="0"/>
           </a:p>
@@ -4997,7 +4937,7 @@
           <a:p>
             <a:fld id="{48A87A34-81AB-432B-8DAE-1953F412C126}" type="datetimeFigureOut">
               <a:rPr lang="en-US" dirty="0"/>
-              <a:t>5/17/2021</a:t>
+              <a:t>6/3/2021</a:t>
             </a:fld>
             <a:endParaRPr lang="en-US" dirty="0"/>
           </a:p>
@@ -5271,7 +5211,7 @@
           <a:p>
             <a:fld id="{48A87A34-81AB-432B-8DAE-1953F412C126}" type="datetimeFigureOut">
               <a:rPr lang="en-US" dirty="0"/>
-              <a:t>5/17/2021</a:t>
+              <a:t>6/3/2021</a:t>
             </a:fld>
             <a:endParaRPr lang="en-US" dirty="0"/>
           </a:p>
@@ -5578,7 +5518,7 @@
           <a:p>
             <a:fld id="{48A87A34-81AB-432B-8DAE-1953F412C126}" type="datetimeFigureOut">
               <a:rPr lang="en-US" dirty="0"/>
-              <a:t>5/17/2021</a:t>
+              <a:t>6/3/2021</a:t>
             </a:fld>
             <a:endParaRPr lang="en-US" dirty="0"/>
           </a:p>
@@ -5827,7 +5767,7 @@
             <a:fld id="{48A87A34-81AB-432B-8DAE-1953F412C126}" type="datetimeFigureOut">
               <a:rPr lang="en-US" dirty="0"/>
               <a:pPr/>
-              <a:t>5/17/2021</a:t>
+              <a:t>6/3/2021</a:t>
             </a:fld>
             <a:endParaRPr lang="en-US" dirty="0"/>
           </a:p>

--- a/static/animals.pptx
+++ b/static/animals.pptx
@@ -209,7 +209,7 @@
           <a:p>
             <a:fld id="{3AC4FCB6-2190-420D-B390-995D93DABF2A}" type="datetimeFigureOut">
               <a:rPr lang="en-IN" smtClean="0"/>
-              <a:t>03-06-2021</a:t>
+              <a:t>05-06-2021</a:t>
             </a:fld>
             <a:endParaRPr lang="en-IN"/>
           </a:p>
@@ -715,7 +715,7 @@
           <a:p>
             <a:fld id="{48A87A34-81AB-432B-8DAE-1953F412C126}" type="datetimeFigureOut">
               <a:rPr lang="en-US" dirty="0"/>
-              <a:t>6/3/2021</a:t>
+              <a:t>6/5/2021</a:t>
             </a:fld>
             <a:endParaRPr lang="en-US" dirty="0"/>
           </a:p>
@@ -932,7 +932,7 @@
           <a:p>
             <a:fld id="{48A87A34-81AB-432B-8DAE-1953F412C126}" type="datetimeFigureOut">
               <a:rPr lang="en-US" dirty="0"/>
-              <a:t>6/3/2021</a:t>
+              <a:t>6/5/2021</a:t>
             </a:fld>
             <a:endParaRPr lang="en-US" dirty="0"/>
           </a:p>
@@ -1218,7 +1218,7 @@
           <a:p>
             <a:fld id="{48A87A34-81AB-432B-8DAE-1953F412C126}" type="datetimeFigureOut">
               <a:rPr lang="en-US" dirty="0"/>
-              <a:t>6/3/2021</a:t>
+              <a:t>6/5/2021</a:t>
             </a:fld>
             <a:endParaRPr lang="en-US" dirty="0"/>
           </a:p>
@@ -1667,7 +1667,7 @@
           <a:p>
             <a:fld id="{48A87A34-81AB-432B-8DAE-1953F412C126}" type="datetimeFigureOut">
               <a:rPr lang="en-US" dirty="0"/>
-              <a:t>6/3/2021</a:t>
+              <a:t>6/5/2021</a:t>
             </a:fld>
             <a:endParaRPr lang="en-US" dirty="0"/>
           </a:p>
@@ -2238,7 +2238,7 @@
           <a:p>
             <a:fld id="{48A87A34-81AB-432B-8DAE-1953F412C126}" type="datetimeFigureOut">
               <a:rPr lang="en-US" dirty="0"/>
-              <a:t>6/3/2021</a:t>
+              <a:t>6/5/2021</a:t>
             </a:fld>
             <a:endParaRPr lang="en-US" dirty="0"/>
           </a:p>
@@ -3085,7 +3085,7 @@
           <a:p>
             <a:fld id="{48A87A34-81AB-432B-8DAE-1953F412C126}" type="datetimeFigureOut">
               <a:rPr lang="en-US" dirty="0"/>
-              <a:t>6/3/2021</a:t>
+              <a:t>6/5/2021</a:t>
             </a:fld>
             <a:endParaRPr lang="en-US" dirty="0"/>
           </a:p>
@@ -3285,7 +3285,7 @@
           <a:p>
             <a:fld id="{48A87A34-81AB-432B-8DAE-1953F412C126}" type="datetimeFigureOut">
               <a:rPr lang="en-US" dirty="0"/>
-              <a:t>6/3/2021</a:t>
+              <a:t>6/5/2021</a:t>
             </a:fld>
             <a:endParaRPr lang="en-US" dirty="0"/>
           </a:p>
@@ -3494,7 +3494,7 @@
           <a:p>
             <a:fld id="{48A87A34-81AB-432B-8DAE-1953F412C126}" type="datetimeFigureOut">
               <a:rPr lang="en-US" dirty="0"/>
-              <a:t>6/3/2021</a:t>
+              <a:t>6/5/2021</a:t>
             </a:fld>
             <a:endParaRPr lang="en-US" dirty="0"/>
           </a:p>
@@ -3609,7 +3609,7 @@
         </p:nvSpPr>
         <p:spPr>
           <a:xfrm>
-            <a:off x="913774" y="-19665"/>
+            <a:off x="2536097" y="212110"/>
             <a:ext cx="6672887" cy="934065"/>
           </a:xfrm>
         </p:spPr>
@@ -3626,78 +3626,22 @@
       </p:sp>
       <p:sp>
         <p:nvSpPr>
-          <p:cNvPr id="12" name="Content Placeholder 2"/>
-          <p:cNvSpPr>
-            <a:spLocks noGrp="1"/>
-          </p:cNvSpPr>
-          <p:nvPr>
-            <p:ph sz="quarter" idx="13"/>
-          </p:nvPr>
-        </p:nvSpPr>
-        <p:spPr>
-          <a:xfrm>
-            <a:off x="913774" y="1199536"/>
-            <a:ext cx="4100678" cy="4591664"/>
-          </a:xfrm>
-        </p:spPr>
+          <p:cNvPr id="4" name="Date Placeholder 3"/>
+          <p:cNvSpPr>
+            <a:spLocks noGrp="1"/>
+          </p:cNvSpPr>
+          <p:nvPr>
+            <p:ph type="dt" sz="half" idx="10"/>
+          </p:nvPr>
+        </p:nvSpPr>
+        <p:spPr/>
         <p:txBody>
           <a:bodyPr/>
           <a:lstStyle/>
           <a:p>
-            <a:pPr lvl="0"/>
-            <a:r>
-              <a:rPr lang="en-US" dirty="0"/>
-              <a:t>Click to edit Master text styles</a:t>
-            </a:r>
-          </a:p>
-          <a:p>
-            <a:pPr lvl="1"/>
-            <a:r>
-              <a:rPr lang="en-US" dirty="0"/>
-              <a:t>Second level</a:t>
-            </a:r>
-          </a:p>
-          <a:p>
-            <a:pPr lvl="2"/>
-            <a:r>
-              <a:rPr lang="en-US" dirty="0"/>
-              <a:t>Third level</a:t>
-            </a:r>
-          </a:p>
-          <a:p>
-            <a:pPr lvl="3"/>
-            <a:r>
-              <a:rPr lang="en-US" dirty="0"/>
-              <a:t>Fourth level</a:t>
-            </a:r>
-          </a:p>
-          <a:p>
-            <a:pPr lvl="4"/>
-            <a:r>
-              <a:rPr lang="en-US" dirty="0"/>
-              <a:t>Fifth level</a:t>
-            </a:r>
-          </a:p>
-        </p:txBody>
-      </p:sp>
-      <p:sp>
-        <p:nvSpPr>
-          <p:cNvPr id="4" name="Date Placeholder 3"/>
-          <p:cNvSpPr>
-            <a:spLocks noGrp="1"/>
-          </p:cNvSpPr>
-          <p:nvPr>
-            <p:ph type="dt" sz="half" idx="10"/>
-          </p:nvPr>
-        </p:nvSpPr>
-        <p:spPr/>
-        <p:txBody>
-          <a:bodyPr/>
-          <a:lstStyle/>
-          <a:p>
             <a:fld id="{48A87A34-81AB-432B-8DAE-1953F412C126}" type="datetimeFigureOut">
               <a:rPr lang="en-US" dirty="0"/>
-              <a:t>6/3/2021</a:t>
+              <a:t>6/5/2021</a:t>
             </a:fld>
             <a:endParaRPr lang="en-US" dirty="0"/>
           </a:p>
@@ -3747,10 +3691,73 @@
       </p:sp>
       <p:sp>
         <p:nvSpPr>
+          <p:cNvPr id="9" name="Text Placeholder 8">
+            <a:extLst>
+              <a:ext uri="{FF2B5EF4-FFF2-40B4-BE49-F238E27FC236}">
+                <a16:creationId xmlns:a16="http://schemas.microsoft.com/office/drawing/2014/main" id="{050D3CB9-6D27-4417-B930-A8FB6E31AE36}"/>
+              </a:ext>
+            </a:extLst>
+          </p:cNvPr>
+          <p:cNvSpPr>
+            <a:spLocks noGrp="1"/>
+          </p:cNvSpPr>
+          <p:nvPr>
+            <p:ph type="body" sz="quarter" idx="13"/>
+          </p:nvPr>
+        </p:nvSpPr>
+        <p:spPr>
+          <a:xfrm>
+            <a:off x="1071564" y="1789472"/>
+            <a:ext cx="5584876" cy="3922354"/>
+          </a:xfrm>
+        </p:spPr>
+        <p:txBody>
+          <a:bodyPr/>
+          <a:lstStyle/>
+          <a:p>
+            <a:pPr lvl="0"/>
+            <a:r>
+              <a:rPr lang="en-US" dirty="0"/>
+              <a:t>Click to edit Master text styles</a:t>
+            </a:r>
+          </a:p>
+          <a:p>
+            <a:pPr lvl="1"/>
+            <a:r>
+              <a:rPr lang="en-US" dirty="0"/>
+              <a:t>Second level</a:t>
+            </a:r>
+          </a:p>
+          <a:p>
+            <a:pPr lvl="2"/>
+            <a:r>
+              <a:rPr lang="en-US" dirty="0"/>
+              <a:t>Third level</a:t>
+            </a:r>
+          </a:p>
+          <a:p>
+            <a:pPr lvl="3"/>
+            <a:r>
+              <a:rPr lang="en-US" dirty="0"/>
+              <a:t>Fourth level</a:t>
+            </a:r>
+          </a:p>
+          <a:p>
+            <a:pPr lvl="4"/>
+            <a:r>
+              <a:rPr lang="en-US" dirty="0"/>
+              <a:t>Fifth level</a:t>
+            </a:r>
+            <a:endParaRPr lang="en-IN" dirty="0"/>
+          </a:p>
+        </p:txBody>
+      </p:sp>
+      <p:sp>
+        <p:nvSpPr>
           <p:cNvPr id="8" name="Picture Placeholder 7">
             <a:extLst>
               <a:ext uri="{FF2B5EF4-FFF2-40B4-BE49-F238E27FC236}">
-                <a16:creationId xmlns:a16="http://schemas.microsoft.com/office/drawing/2014/main" id="{90E754B6-F567-48C0-9A26-D52AF9BEF279}"/>
+                <a16:creationId xmlns:a16="http://schemas.microsoft.com/office/drawing/2014/main" id="{FA321C93-9EF6-4C6A-AA7E-B0CDFDD82042}"/>
               </a:ext>
             </a:extLst>
           </p:cNvPr>
@@ -3763,15 +3770,15 @@
         </p:nvSpPr>
         <p:spPr>
           <a:xfrm>
-            <a:off x="6194425" y="2133600"/>
-            <a:ext cx="5397500" cy="2349500"/>
+            <a:off x="6970713" y="1789113"/>
+            <a:ext cx="4532312" cy="3922712"/>
           </a:xfrm>
         </p:spPr>
         <p:txBody>
           <a:bodyPr/>
           <a:lstStyle/>
           <a:p>
-            <a:endParaRPr lang="en-IN" dirty="0"/>
+            <a:endParaRPr lang="en-IN"/>
           </a:p>
         </p:txBody>
       </p:sp>
@@ -4002,7 +4009,7 @@
           <a:p>
             <a:fld id="{48A87A34-81AB-432B-8DAE-1953F412C126}" type="datetimeFigureOut">
               <a:rPr lang="en-US" dirty="0"/>
-              <a:t>6/3/2021</a:t>
+              <a:t>6/5/2021</a:t>
             </a:fld>
             <a:endParaRPr lang="en-US" dirty="0"/>
           </a:p>
@@ -4264,7 +4271,7 @@
           <a:p>
             <a:fld id="{48A87A34-81AB-432B-8DAE-1953F412C126}" type="datetimeFigureOut">
               <a:rPr lang="en-US" dirty="0"/>
-              <a:t>6/3/2021</a:t>
+              <a:t>6/5/2021</a:t>
             </a:fld>
             <a:endParaRPr lang="en-US" dirty="0"/>
           </a:p>
@@ -4674,7 +4681,7 @@
           <a:p>
             <a:fld id="{48A87A34-81AB-432B-8DAE-1953F412C126}" type="datetimeFigureOut">
               <a:rPr lang="en-US" dirty="0"/>
-              <a:t>6/3/2021</a:t>
+              <a:t>6/5/2021</a:t>
             </a:fld>
             <a:endParaRPr lang="en-US" dirty="0"/>
           </a:p>
@@ -4817,7 +4824,7 @@
           <a:p>
             <a:fld id="{48A87A34-81AB-432B-8DAE-1953F412C126}" type="datetimeFigureOut">
               <a:rPr lang="en-US" dirty="0"/>
-              <a:t>6/3/2021</a:t>
+              <a:t>6/5/2021</a:t>
             </a:fld>
             <a:endParaRPr lang="en-US" dirty="0"/>
           </a:p>
@@ -4937,7 +4944,7 @@
           <a:p>
             <a:fld id="{48A87A34-81AB-432B-8DAE-1953F412C126}" type="datetimeFigureOut">
               <a:rPr lang="en-US" dirty="0"/>
-              <a:t>6/3/2021</a:t>
+              <a:t>6/5/2021</a:t>
             </a:fld>
             <a:endParaRPr lang="en-US" dirty="0"/>
           </a:p>
@@ -5211,7 +5218,7 @@
           <a:p>
             <a:fld id="{48A87A34-81AB-432B-8DAE-1953F412C126}" type="datetimeFigureOut">
               <a:rPr lang="en-US" dirty="0"/>
-              <a:t>6/3/2021</a:t>
+              <a:t>6/5/2021</a:t>
             </a:fld>
             <a:endParaRPr lang="en-US" dirty="0"/>
           </a:p>
@@ -5518,7 +5525,7 @@
           <a:p>
             <a:fld id="{48A87A34-81AB-432B-8DAE-1953F412C126}" type="datetimeFigureOut">
               <a:rPr lang="en-US" dirty="0"/>
-              <a:t>6/3/2021</a:t>
+              <a:t>6/5/2021</a:t>
             </a:fld>
             <a:endParaRPr lang="en-US" dirty="0"/>
           </a:p>
@@ -5767,7 +5774,7 @@
             <a:fld id="{48A87A34-81AB-432B-8DAE-1953F412C126}" type="datetimeFigureOut">
               <a:rPr lang="en-US" dirty="0"/>
               <a:pPr/>
-              <a:t>6/3/2021</a:t>
+              <a:t>6/5/2021</a:t>
             </a:fld>
             <a:endParaRPr lang="en-US" dirty="0"/>
           </a:p>
